--- a/임시 UI.pptx
+++ b/임시 UI.pptx
@@ -201,7 +201,7 @@
           <a:p>
             <a:fld id="{9E850AF2-D5F9-4219-BA36-EDB3BF0A7F26}" type="datetimeFigureOut">
               <a:rPr lang="ko-KR" altLang="en-US" smtClean="0"/>
-              <a:t>2019-07-10</a:t>
+              <a:t>2019-07-11</a:t>
             </a:fld>
             <a:endParaRPr lang="ko-KR" altLang="en-US"/>
           </a:p>
@@ -768,7 +768,7 @@
           <a:p>
             <a:fld id="{4C1810FD-DCEC-46A3-9018-E0BF5CEC4B15}" type="datetimeFigureOut">
               <a:rPr lang="ko-KR" altLang="en-US" smtClean="0"/>
-              <a:t>2019-07-10</a:t>
+              <a:t>2019-07-11</a:t>
             </a:fld>
             <a:endParaRPr lang="ko-KR" altLang="en-US"/>
           </a:p>
@@ -938,7 +938,7 @@
           <a:p>
             <a:fld id="{4C1810FD-DCEC-46A3-9018-E0BF5CEC4B15}" type="datetimeFigureOut">
               <a:rPr lang="ko-KR" altLang="en-US" smtClean="0"/>
-              <a:t>2019-07-10</a:t>
+              <a:t>2019-07-11</a:t>
             </a:fld>
             <a:endParaRPr lang="ko-KR" altLang="en-US"/>
           </a:p>
@@ -1118,7 +1118,7 @@
           <a:p>
             <a:fld id="{4C1810FD-DCEC-46A3-9018-E0BF5CEC4B15}" type="datetimeFigureOut">
               <a:rPr lang="ko-KR" altLang="en-US" smtClean="0"/>
-              <a:t>2019-07-10</a:t>
+              <a:t>2019-07-11</a:t>
             </a:fld>
             <a:endParaRPr lang="ko-KR" altLang="en-US"/>
           </a:p>
@@ -1288,7 +1288,7 @@
           <a:p>
             <a:fld id="{4C1810FD-DCEC-46A3-9018-E0BF5CEC4B15}" type="datetimeFigureOut">
               <a:rPr lang="ko-KR" altLang="en-US" smtClean="0"/>
-              <a:t>2019-07-10</a:t>
+              <a:t>2019-07-11</a:t>
             </a:fld>
             <a:endParaRPr lang="ko-KR" altLang="en-US"/>
           </a:p>
@@ -1534,7 +1534,7 @@
           <a:p>
             <a:fld id="{4C1810FD-DCEC-46A3-9018-E0BF5CEC4B15}" type="datetimeFigureOut">
               <a:rPr lang="ko-KR" altLang="en-US" smtClean="0"/>
-              <a:t>2019-07-10</a:t>
+              <a:t>2019-07-11</a:t>
             </a:fld>
             <a:endParaRPr lang="ko-KR" altLang="en-US"/>
           </a:p>
@@ -1766,7 +1766,7 @@
           <a:p>
             <a:fld id="{4C1810FD-DCEC-46A3-9018-E0BF5CEC4B15}" type="datetimeFigureOut">
               <a:rPr lang="ko-KR" altLang="en-US" smtClean="0"/>
-              <a:t>2019-07-10</a:t>
+              <a:t>2019-07-11</a:t>
             </a:fld>
             <a:endParaRPr lang="ko-KR" altLang="en-US"/>
           </a:p>
@@ -2133,7 +2133,7 @@
           <a:p>
             <a:fld id="{4C1810FD-DCEC-46A3-9018-E0BF5CEC4B15}" type="datetimeFigureOut">
               <a:rPr lang="ko-KR" altLang="en-US" smtClean="0"/>
-              <a:t>2019-07-10</a:t>
+              <a:t>2019-07-11</a:t>
             </a:fld>
             <a:endParaRPr lang="ko-KR" altLang="en-US"/>
           </a:p>
@@ -2251,7 +2251,7 @@
           <a:p>
             <a:fld id="{4C1810FD-DCEC-46A3-9018-E0BF5CEC4B15}" type="datetimeFigureOut">
               <a:rPr lang="ko-KR" altLang="en-US" smtClean="0"/>
-              <a:t>2019-07-10</a:t>
+              <a:t>2019-07-11</a:t>
             </a:fld>
             <a:endParaRPr lang="ko-KR" altLang="en-US"/>
           </a:p>
@@ -2346,7 +2346,7 @@
           <a:p>
             <a:fld id="{4C1810FD-DCEC-46A3-9018-E0BF5CEC4B15}" type="datetimeFigureOut">
               <a:rPr lang="ko-KR" altLang="en-US" smtClean="0"/>
-              <a:t>2019-07-10</a:t>
+              <a:t>2019-07-11</a:t>
             </a:fld>
             <a:endParaRPr lang="ko-KR" altLang="en-US"/>
           </a:p>
@@ -2623,7 +2623,7 @@
           <a:p>
             <a:fld id="{4C1810FD-DCEC-46A3-9018-E0BF5CEC4B15}" type="datetimeFigureOut">
               <a:rPr lang="ko-KR" altLang="en-US" smtClean="0"/>
-              <a:t>2019-07-10</a:t>
+              <a:t>2019-07-11</a:t>
             </a:fld>
             <a:endParaRPr lang="ko-KR" altLang="en-US"/>
           </a:p>
@@ -2876,7 +2876,7 @@
           <a:p>
             <a:fld id="{4C1810FD-DCEC-46A3-9018-E0BF5CEC4B15}" type="datetimeFigureOut">
               <a:rPr lang="ko-KR" altLang="en-US" smtClean="0"/>
-              <a:t>2019-07-10</a:t>
+              <a:t>2019-07-11</a:t>
             </a:fld>
             <a:endParaRPr lang="ko-KR" altLang="en-US"/>
           </a:p>
@@ -3089,7 +3089,7 @@
           <a:p>
             <a:fld id="{4C1810FD-DCEC-46A3-9018-E0BF5CEC4B15}" type="datetimeFigureOut">
               <a:rPr lang="ko-KR" altLang="en-US" smtClean="0"/>
-              <a:t>2019-07-10</a:t>
+              <a:t>2019-07-11</a:t>
             </a:fld>
             <a:endParaRPr lang="ko-KR" altLang="en-US"/>
           </a:p>
@@ -3925,124 +3925,6 @@
             </a:prstGeom>
           </p:spPr>
         </p:pic>
-        <p:sp>
-          <p:nvSpPr>
-            <p:cNvPr id="23" name="TextBox 22"/>
-            <p:cNvSpPr txBox="1"/>
-            <p:nvPr/>
-          </p:nvSpPr>
-          <p:spPr>
-            <a:xfrm>
-              <a:off x="4951562" y="980148"/>
-              <a:ext cx="973020" cy="2308324"/>
-            </a:xfrm>
-            <a:prstGeom prst="rect">
-              <a:avLst/>
-            </a:prstGeom>
-            <a:noFill/>
-            <a:ln>
-              <a:solidFill>
-                <a:srgbClr val="002060"/>
-              </a:solidFill>
-            </a:ln>
-          </p:spPr>
-          <p:txBody>
-            <a:bodyPr wrap="square" rtlCol="0">
-              <a:spAutoFit/>
-            </a:bodyPr>
-            <a:lstStyle/>
-            <a:p>
-              <a:r>
-                <a:rPr lang="ko-KR" altLang="en-US" sz="2400" dirty="0" smtClean="0"/>
-                <a:t>부자</a:t>
-              </a:r>
-              <a:endParaRPr lang="en-US" altLang="ko-KR" sz="2400" dirty="0" smtClean="0"/>
-            </a:p>
-            <a:p>
-              <a:r>
-                <a:rPr lang="ko-KR" altLang="en-US" sz="2400" dirty="0" smtClean="0"/>
-                <a:t>관련</a:t>
-              </a:r>
-              <a:endParaRPr lang="en-US" altLang="ko-KR" sz="2400" dirty="0" smtClean="0"/>
-            </a:p>
-            <a:p>
-              <a:r>
-                <a:rPr lang="ko-KR" altLang="en-US" sz="2400" dirty="0" smtClean="0"/>
-                <a:t>수치</a:t>
-              </a:r>
-              <a:endParaRPr lang="en-US" altLang="ko-KR" sz="2400" dirty="0" smtClean="0"/>
-            </a:p>
-            <a:p>
-              <a:endParaRPr lang="en-US" altLang="ko-KR" sz="2400" dirty="0" smtClean="0"/>
-            </a:p>
-            <a:p>
-              <a:endParaRPr lang="en-US" altLang="ko-KR" sz="2400" dirty="0"/>
-            </a:p>
-            <a:p>
-              <a:endParaRPr lang="ko-KR" altLang="en-US" sz="2400" dirty="0"/>
-            </a:p>
-          </p:txBody>
-        </p:sp>
-        <p:sp>
-          <p:nvSpPr>
-            <p:cNvPr id="24" name="직사각형 23"/>
-            <p:cNvSpPr/>
-            <p:nvPr/>
-          </p:nvSpPr>
-          <p:spPr>
-            <a:xfrm>
-              <a:off x="3001992" y="3505150"/>
-              <a:ext cx="2096219" cy="276657"/>
-            </a:xfrm>
-            <a:prstGeom prst="rect">
-              <a:avLst/>
-            </a:prstGeom>
-          </p:spPr>
-          <p:style>
-            <a:lnRef idx="2">
-              <a:schemeClr val="accent1">
-                <a:shade val="50000"/>
-              </a:schemeClr>
-            </a:lnRef>
-            <a:fillRef idx="1">
-              <a:schemeClr val="accent1"/>
-            </a:fillRef>
-            <a:effectRef idx="0">
-              <a:schemeClr val="accent1"/>
-            </a:effectRef>
-            <a:fontRef idx="minor">
-              <a:schemeClr val="lt1"/>
-            </a:fontRef>
-          </p:style>
-          <p:txBody>
-            <a:bodyPr rtlCol="0" anchor="ctr"/>
-            <a:lstStyle/>
-            <a:p>
-              <a:pPr algn="ctr"/>
-              <a:r>
-                <a:rPr lang="ko-KR" altLang="en-US" sz="1050" dirty="0" smtClean="0"/>
-                <a:t>부자의 재산 </a:t>
-              </a:r>
-              <a:r>
-                <a:rPr lang="en-US" altLang="ko-KR" sz="1050" dirty="0" smtClean="0"/>
-                <a:t>: XXXX</a:t>
-              </a:r>
-              <a:r>
-                <a:rPr lang="ko-KR" altLang="en-US" sz="1050" dirty="0" smtClean="0"/>
-                <a:t>조</a:t>
-              </a:r>
-              <a:r>
-                <a:rPr lang="en-US" altLang="ko-KR" sz="1050" dirty="0" smtClean="0"/>
-                <a:t> XXXX</a:t>
-              </a:r>
-              <a:r>
-                <a:rPr lang="ko-KR" altLang="en-US" sz="1050" dirty="0" smtClean="0"/>
-                <a:t>억</a:t>
-              </a:r>
-              <a:endParaRPr lang="ko-KR" altLang="en-US" sz="1050" dirty="0"/>
-            </a:p>
-          </p:txBody>
-        </p:sp>
         <p:pic>
           <p:nvPicPr>
             <p:cNvPr id="25" name="그림 24"/>
@@ -4187,6 +4069,13 @@
   <p:clrMapOvr>
     <a:masterClrMapping/>
   </p:clrMapOvr>
+  <p:timing>
+    <p:tnLst>
+      <p:par>
+        <p:cTn id="1" dur="indefinite" restart="never" nodeType="tmRoot"/>
+      </p:par>
+    </p:tnLst>
+  </p:timing>
 </p:sld>
 </file>
 
@@ -4244,702 +4133,567 @@
           </a:p>
         </p:txBody>
       </p:sp>
-      <p:grpSp>
-        <p:nvGrpSpPr>
-          <p:cNvPr id="3" name="그룹 2"/>
-          <p:cNvGrpSpPr/>
+      <p:sp>
+        <p:nvSpPr>
+          <p:cNvPr id="4" name="직사각형 3"/>
+          <p:cNvSpPr/>
           <p:nvPr/>
-        </p:nvGrpSpPr>
-        <p:grpSpPr>
+        </p:nvSpPr>
+        <p:spPr>
           <a:xfrm>
             <a:off x="2932980" y="646980"/>
             <a:ext cx="3240000" cy="5760000"/>
-            <a:chOff x="2932980" y="646980"/>
-            <a:chExt cx="3240000" cy="5760000"/>
           </a:xfrm>
-        </p:grpSpPr>
-        <p:sp>
-          <p:nvSpPr>
-            <p:cNvPr id="4" name="직사각형 3"/>
-            <p:cNvSpPr/>
-            <p:nvPr/>
-          </p:nvSpPr>
-          <p:spPr>
-            <a:xfrm>
-              <a:off x="2932980" y="646980"/>
-              <a:ext cx="3240000" cy="5760000"/>
-            </a:xfrm>
-            <a:prstGeom prst="rect">
-              <a:avLst/>
-            </a:prstGeom>
-            <a:noFill/>
-            <a:ln w="76200">
-              <a:solidFill>
-                <a:schemeClr val="accent2">
-                  <a:lumMod val="50000"/>
-                </a:schemeClr>
-              </a:solidFill>
-            </a:ln>
-          </p:spPr>
-          <p:style>
-            <a:lnRef idx="2">
-              <a:schemeClr val="accent1">
-                <a:shade val="50000"/>
+          <a:prstGeom prst="rect">
+            <a:avLst/>
+          </a:prstGeom>
+          <a:noFill/>
+          <a:ln w="76200">
+            <a:solidFill>
+              <a:schemeClr val="accent2">
+                <a:lumMod val="50000"/>
               </a:schemeClr>
-            </a:lnRef>
-            <a:fillRef idx="1">
-              <a:schemeClr val="accent1"/>
-            </a:fillRef>
-            <a:effectRef idx="0">
-              <a:schemeClr val="accent1"/>
-            </a:effectRef>
-            <a:fontRef idx="minor">
-              <a:schemeClr val="lt1"/>
-            </a:fontRef>
-          </p:style>
-          <p:txBody>
-            <a:bodyPr rtlCol="0" anchor="ctr"/>
-            <a:lstStyle/>
-            <a:p>
-              <a:pPr algn="ctr"/>
-              <a:endParaRPr lang="ko-KR" altLang="en-US"/>
-            </a:p>
-          </p:txBody>
-        </p:sp>
-        <p:cxnSp>
-          <p:nvCxnSpPr>
-            <p:cNvPr id="6" name="직선 연결선 5"/>
-            <p:cNvCxnSpPr/>
-            <p:nvPr/>
-          </p:nvCxnSpPr>
-          <p:spPr>
-            <a:xfrm>
-              <a:off x="2932980" y="3882086"/>
-              <a:ext cx="3240000" cy="0"/>
-            </a:xfrm>
-            <a:prstGeom prst="line">
-              <a:avLst/>
-            </a:prstGeom>
-            <a:ln w="76200">
-              <a:solidFill>
-                <a:schemeClr val="accent2">
-                  <a:lumMod val="50000"/>
-                </a:schemeClr>
-              </a:solidFill>
-            </a:ln>
-          </p:spPr>
-          <p:style>
-            <a:lnRef idx="1">
-              <a:schemeClr val="accent1"/>
-            </a:lnRef>
-            <a:fillRef idx="0">
-              <a:schemeClr val="accent1"/>
-            </a:fillRef>
-            <a:effectRef idx="0">
-              <a:schemeClr val="accent1"/>
-            </a:effectRef>
-            <a:fontRef idx="minor">
-              <a:schemeClr val="tx1"/>
-            </a:fontRef>
-          </p:style>
-        </p:cxnSp>
-        <p:cxnSp>
-          <p:nvCxnSpPr>
-            <p:cNvPr id="26" name="직선 연결선 25"/>
-            <p:cNvCxnSpPr/>
-            <p:nvPr/>
-          </p:nvCxnSpPr>
-          <p:spPr>
-            <a:xfrm>
-              <a:off x="2932980" y="6396518"/>
-              <a:ext cx="3240000" cy="0"/>
-            </a:xfrm>
-            <a:prstGeom prst="line">
-              <a:avLst/>
-            </a:prstGeom>
-            <a:ln w="76200">
-              <a:solidFill>
-                <a:schemeClr val="accent2">
-                  <a:lumMod val="50000"/>
-                </a:schemeClr>
-              </a:solidFill>
-            </a:ln>
-          </p:spPr>
-          <p:style>
-            <a:lnRef idx="1">
-              <a:schemeClr val="accent1"/>
-            </a:lnRef>
-            <a:fillRef idx="0">
-              <a:schemeClr val="accent1"/>
-            </a:fillRef>
-            <a:effectRef idx="0">
-              <a:schemeClr val="accent1"/>
-            </a:effectRef>
-            <a:fontRef idx="minor">
-              <a:schemeClr val="tx1"/>
-            </a:fontRef>
-          </p:style>
-        </p:cxnSp>
-        <p:pic>
-          <p:nvPicPr>
-            <p:cNvPr id="2" name="그림 1"/>
-            <p:cNvPicPr>
-              <a:picLocks noChangeAspect="1"/>
-            </p:cNvPicPr>
-            <p:nvPr/>
-          </p:nvPicPr>
-          <p:blipFill>
-            <a:blip r:embed="rId3"/>
-            <a:stretch>
-              <a:fillRect/>
-            </a:stretch>
-          </p:blipFill>
-          <p:spPr>
-            <a:xfrm>
-              <a:off x="3195758" y="1026780"/>
-              <a:ext cx="1296838" cy="992892"/>
-            </a:xfrm>
-            <a:prstGeom prst="rect">
-              <a:avLst/>
-            </a:prstGeom>
-          </p:spPr>
-        </p:pic>
-        <p:pic>
-          <p:nvPicPr>
-            <p:cNvPr id="16" name="그림 15"/>
-            <p:cNvPicPr>
-              <a:picLocks noChangeAspect="1"/>
-            </p:cNvPicPr>
-            <p:nvPr/>
-          </p:nvPicPr>
-          <p:blipFill>
-            <a:blip r:embed="rId3"/>
-            <a:stretch>
-              <a:fillRect/>
-            </a:stretch>
-          </p:blipFill>
-          <p:spPr>
-            <a:xfrm>
-              <a:off x="3195758" y="2534088"/>
-              <a:ext cx="1296838" cy="992892"/>
-            </a:xfrm>
-            <a:prstGeom prst="rect">
-              <a:avLst/>
-            </a:prstGeom>
-          </p:spPr>
-        </p:pic>
-        <p:pic>
-          <p:nvPicPr>
-            <p:cNvPr id="17" name="그림 16"/>
-            <p:cNvPicPr>
-              <a:picLocks noChangeAspect="1"/>
-            </p:cNvPicPr>
-            <p:nvPr/>
-          </p:nvPicPr>
-          <p:blipFill>
-            <a:blip r:embed="rId3"/>
-            <a:stretch>
-              <a:fillRect/>
-            </a:stretch>
-          </p:blipFill>
-          <p:spPr>
-            <a:xfrm>
-              <a:off x="4654177" y="2534088"/>
-              <a:ext cx="1296838" cy="992892"/>
-            </a:xfrm>
-            <a:prstGeom prst="rect">
-              <a:avLst/>
-            </a:prstGeom>
-          </p:spPr>
-        </p:pic>
-        <p:pic>
-          <p:nvPicPr>
-            <p:cNvPr id="27" name="그림 26"/>
-            <p:cNvPicPr>
-              <a:picLocks noChangeAspect="1"/>
-            </p:cNvPicPr>
-            <p:nvPr/>
-          </p:nvPicPr>
-          <p:blipFill>
-            <a:blip r:embed="rId3"/>
-            <a:stretch>
-              <a:fillRect/>
-            </a:stretch>
-          </p:blipFill>
-          <p:spPr>
-            <a:xfrm>
-              <a:off x="4654177" y="1026780"/>
-              <a:ext cx="1296838" cy="992892"/>
-            </a:xfrm>
-            <a:prstGeom prst="rect">
-              <a:avLst/>
-            </a:prstGeom>
-          </p:spPr>
-        </p:pic>
-        <p:sp>
-          <p:nvSpPr>
-            <p:cNvPr id="9" name="TextBox 8"/>
-            <p:cNvSpPr txBox="1"/>
-            <p:nvPr/>
-          </p:nvSpPr>
-          <p:spPr>
-            <a:xfrm>
-              <a:off x="3066363" y="4413545"/>
-              <a:ext cx="625744" cy="379562"/>
-            </a:xfrm>
-            <a:prstGeom prst="rect">
-              <a:avLst/>
-            </a:prstGeom>
-            <a:noFill/>
-          </p:spPr>
-          <p:txBody>
-            <a:bodyPr wrap="square" rtlCol="0">
-              <a:spAutoFit/>
-            </a:bodyPr>
-            <a:lstStyle/>
-            <a:p>
-              <a:r>
-                <a:rPr lang="en-US" altLang="ko-KR" dirty="0" err="1" smtClean="0"/>
-                <a:t>Lv</a:t>
-              </a:r>
-              <a:r>
-                <a:rPr lang="en-US" altLang="ko-KR" dirty="0" smtClean="0"/>
-                <a:t> 1 </a:t>
-              </a:r>
-              <a:endParaRPr lang="ko-KR" altLang="en-US" dirty="0"/>
-            </a:p>
-          </p:txBody>
-        </p:sp>
-        <p:sp>
-          <p:nvSpPr>
-            <p:cNvPr id="32" name="TextBox 31"/>
-            <p:cNvSpPr txBox="1"/>
-            <p:nvPr/>
-          </p:nvSpPr>
-          <p:spPr>
-            <a:xfrm>
-              <a:off x="3066363" y="4887988"/>
-              <a:ext cx="625744" cy="379562"/>
-            </a:xfrm>
-            <a:prstGeom prst="rect">
-              <a:avLst/>
-            </a:prstGeom>
-            <a:noFill/>
-          </p:spPr>
-          <p:txBody>
-            <a:bodyPr wrap="square" rtlCol="0">
-              <a:spAutoFit/>
-            </a:bodyPr>
-            <a:lstStyle/>
-            <a:p>
-              <a:r>
-                <a:rPr lang="en-US" altLang="ko-KR" dirty="0" err="1" smtClean="0"/>
-                <a:t>Lv</a:t>
-              </a:r>
-              <a:r>
-                <a:rPr lang="en-US" altLang="ko-KR" dirty="0" smtClean="0"/>
-                <a:t> 2 </a:t>
-              </a:r>
-              <a:endParaRPr lang="ko-KR" altLang="en-US" dirty="0"/>
-            </a:p>
-          </p:txBody>
-        </p:sp>
-        <p:sp>
-          <p:nvSpPr>
-            <p:cNvPr id="33" name="TextBox 32"/>
-            <p:cNvSpPr txBox="1"/>
-            <p:nvPr/>
-          </p:nvSpPr>
-          <p:spPr>
-            <a:xfrm>
-              <a:off x="3066363" y="5362431"/>
-              <a:ext cx="625744" cy="379562"/>
-            </a:xfrm>
-            <a:prstGeom prst="rect">
-              <a:avLst/>
-            </a:prstGeom>
-            <a:noFill/>
-          </p:spPr>
-          <p:txBody>
-            <a:bodyPr wrap="square" rtlCol="0">
-              <a:spAutoFit/>
-            </a:bodyPr>
-            <a:lstStyle/>
-            <a:p>
-              <a:r>
-                <a:rPr lang="en-US" altLang="ko-KR" dirty="0" err="1" smtClean="0"/>
-                <a:t>Lv</a:t>
-              </a:r>
-              <a:r>
-                <a:rPr lang="en-US" altLang="ko-KR" dirty="0" smtClean="0"/>
-                <a:t> 3 </a:t>
-              </a:r>
-              <a:endParaRPr lang="ko-KR" altLang="en-US" dirty="0"/>
-            </a:p>
-          </p:txBody>
-        </p:sp>
-        <p:sp>
-          <p:nvSpPr>
-            <p:cNvPr id="34" name="TextBox 33"/>
-            <p:cNvSpPr txBox="1"/>
-            <p:nvPr/>
-          </p:nvSpPr>
-          <p:spPr>
-            <a:xfrm>
-              <a:off x="3066363" y="5836873"/>
-              <a:ext cx="625744" cy="379562"/>
-            </a:xfrm>
-            <a:prstGeom prst="rect">
-              <a:avLst/>
-            </a:prstGeom>
-            <a:noFill/>
-          </p:spPr>
-          <p:txBody>
-            <a:bodyPr wrap="square" rtlCol="0">
-              <a:spAutoFit/>
-            </a:bodyPr>
-            <a:lstStyle/>
-            <a:p>
-              <a:r>
-                <a:rPr lang="en-US" altLang="ko-KR" dirty="0" err="1" smtClean="0"/>
-                <a:t>Lv</a:t>
-              </a:r>
-              <a:r>
-                <a:rPr lang="en-US" altLang="ko-KR" dirty="0" smtClean="0"/>
-                <a:t> 4 </a:t>
-              </a:r>
-              <a:endParaRPr lang="ko-KR" altLang="en-US" dirty="0"/>
-            </a:p>
-          </p:txBody>
-        </p:sp>
-        <p:sp>
-          <p:nvSpPr>
-            <p:cNvPr id="10" name="TextBox 9"/>
-            <p:cNvSpPr txBox="1"/>
-            <p:nvPr/>
-          </p:nvSpPr>
-          <p:spPr>
-            <a:xfrm>
-              <a:off x="3363142" y="3962476"/>
-              <a:ext cx="2258908" cy="369332"/>
-            </a:xfrm>
-            <a:prstGeom prst="rect">
-              <a:avLst/>
-            </a:prstGeom>
-            <a:noFill/>
-          </p:spPr>
-          <p:txBody>
-            <a:bodyPr wrap="square" rtlCol="0">
-              <a:spAutoFit/>
-            </a:bodyPr>
-            <a:lstStyle/>
-            <a:p>
-              <a:pPr algn="ctr"/>
-              <a:r>
-                <a:rPr lang="ko-KR" altLang="en-US" dirty="0" smtClean="0"/>
-                <a:t>갱단 관리</a:t>
-              </a:r>
-              <a:endParaRPr lang="ko-KR" altLang="en-US" dirty="0"/>
-            </a:p>
-          </p:txBody>
-        </p:sp>
-        <p:sp>
-          <p:nvSpPr>
-            <p:cNvPr id="11" name="직사각형 10"/>
-            <p:cNvSpPr/>
-            <p:nvPr/>
-          </p:nvSpPr>
-          <p:spPr>
-            <a:xfrm>
-              <a:off x="4080294" y="4451410"/>
-              <a:ext cx="819510" cy="298745"/>
-            </a:xfrm>
-            <a:prstGeom prst="rect">
-              <a:avLst/>
-            </a:prstGeom>
-          </p:spPr>
-          <p:style>
-            <a:lnRef idx="2">
-              <a:schemeClr val="accent1">
-                <a:shade val="50000"/>
+            </a:solidFill>
+          </a:ln>
+        </p:spPr>
+        <p:style>
+          <a:lnRef idx="2">
+            <a:schemeClr val="accent1">
+              <a:shade val="50000"/>
+            </a:schemeClr>
+          </a:lnRef>
+          <a:fillRef idx="1">
+            <a:schemeClr val="accent1"/>
+          </a:fillRef>
+          <a:effectRef idx="0">
+            <a:schemeClr val="accent1"/>
+          </a:effectRef>
+          <a:fontRef idx="minor">
+            <a:schemeClr val="lt1"/>
+          </a:fontRef>
+        </p:style>
+        <p:txBody>
+          <a:bodyPr rtlCol="0" anchor="ctr"/>
+          <a:lstStyle/>
+          <a:p>
+            <a:pPr algn="ctr"/>
+            <a:endParaRPr lang="ko-KR" altLang="en-US"/>
+          </a:p>
+        </p:txBody>
+      </p:sp>
+      <p:cxnSp>
+        <p:nvCxnSpPr>
+          <p:cNvPr id="6" name="직선 연결선 5"/>
+          <p:cNvCxnSpPr/>
+          <p:nvPr/>
+        </p:nvCxnSpPr>
+        <p:spPr>
+          <a:xfrm>
+            <a:off x="2932980" y="3882086"/>
+            <a:ext cx="3240000" cy="0"/>
+          </a:xfrm>
+          <a:prstGeom prst="line">
+            <a:avLst/>
+          </a:prstGeom>
+          <a:ln w="76200">
+            <a:solidFill>
+              <a:schemeClr val="accent2">
+                <a:lumMod val="50000"/>
               </a:schemeClr>
-            </a:lnRef>
-            <a:fillRef idx="1">
-              <a:schemeClr val="accent1"/>
-            </a:fillRef>
-            <a:effectRef idx="0">
-              <a:schemeClr val="accent1"/>
-            </a:effectRef>
-            <a:fontRef idx="minor">
-              <a:schemeClr val="lt1"/>
-            </a:fontRef>
-          </p:style>
-          <p:txBody>
-            <a:bodyPr rtlCol="0" anchor="ctr"/>
-            <a:lstStyle/>
-            <a:p>
-              <a:pPr algn="ctr"/>
-              <a:r>
-                <a:rPr lang="ko-KR" altLang="en-US" dirty="0" smtClean="0"/>
-                <a:t>고용</a:t>
-              </a:r>
-              <a:endParaRPr lang="ko-KR" altLang="en-US" dirty="0"/>
-            </a:p>
-          </p:txBody>
-        </p:sp>
-        <p:sp>
-          <p:nvSpPr>
-            <p:cNvPr id="35" name="직사각형 34"/>
-            <p:cNvSpPr/>
-            <p:nvPr/>
-          </p:nvSpPr>
-          <p:spPr>
-            <a:xfrm>
-              <a:off x="4080294" y="4927660"/>
-              <a:ext cx="819510" cy="298745"/>
-            </a:xfrm>
-            <a:prstGeom prst="rect">
-              <a:avLst/>
-            </a:prstGeom>
-          </p:spPr>
-          <p:style>
-            <a:lnRef idx="2">
-              <a:schemeClr val="accent1">
-                <a:shade val="50000"/>
+            </a:solidFill>
+          </a:ln>
+        </p:spPr>
+        <p:style>
+          <a:lnRef idx="1">
+            <a:schemeClr val="accent1"/>
+          </a:lnRef>
+          <a:fillRef idx="0">
+            <a:schemeClr val="accent1"/>
+          </a:fillRef>
+          <a:effectRef idx="0">
+            <a:schemeClr val="accent1"/>
+          </a:effectRef>
+          <a:fontRef idx="minor">
+            <a:schemeClr val="tx1"/>
+          </a:fontRef>
+        </p:style>
+      </p:cxnSp>
+      <p:cxnSp>
+        <p:nvCxnSpPr>
+          <p:cNvPr id="26" name="직선 연결선 25"/>
+          <p:cNvCxnSpPr/>
+          <p:nvPr/>
+        </p:nvCxnSpPr>
+        <p:spPr>
+          <a:xfrm>
+            <a:off x="2932980" y="6396518"/>
+            <a:ext cx="3240000" cy="0"/>
+          </a:xfrm>
+          <a:prstGeom prst="line">
+            <a:avLst/>
+          </a:prstGeom>
+          <a:ln w="76200">
+            <a:solidFill>
+              <a:schemeClr val="accent2">
+                <a:lumMod val="50000"/>
               </a:schemeClr>
-            </a:lnRef>
-            <a:fillRef idx="1">
-              <a:schemeClr val="accent1"/>
-            </a:fillRef>
-            <a:effectRef idx="0">
-              <a:schemeClr val="accent1"/>
-            </a:effectRef>
-            <a:fontRef idx="minor">
-              <a:schemeClr val="lt1"/>
-            </a:fontRef>
-          </p:style>
-          <p:txBody>
-            <a:bodyPr rtlCol="0" anchor="ctr"/>
-            <a:lstStyle/>
-            <a:p>
-              <a:pPr algn="ctr"/>
-              <a:r>
-                <a:rPr lang="ko-KR" altLang="en-US" dirty="0" smtClean="0"/>
-                <a:t>고용</a:t>
-              </a:r>
-              <a:endParaRPr lang="ko-KR" altLang="en-US" dirty="0"/>
-            </a:p>
-          </p:txBody>
-        </p:sp>
-        <p:sp>
-          <p:nvSpPr>
-            <p:cNvPr id="36" name="직사각형 35"/>
-            <p:cNvSpPr/>
-            <p:nvPr/>
-          </p:nvSpPr>
-          <p:spPr>
-            <a:xfrm>
-              <a:off x="4080294" y="5403910"/>
-              <a:ext cx="819510" cy="298745"/>
-            </a:xfrm>
-            <a:prstGeom prst="rect">
-              <a:avLst/>
-            </a:prstGeom>
-          </p:spPr>
-          <p:style>
-            <a:lnRef idx="2">
-              <a:schemeClr val="accent1">
-                <a:shade val="50000"/>
-              </a:schemeClr>
-            </a:lnRef>
-            <a:fillRef idx="1">
-              <a:schemeClr val="accent1"/>
-            </a:fillRef>
-            <a:effectRef idx="0">
-              <a:schemeClr val="accent1"/>
-            </a:effectRef>
-            <a:fontRef idx="minor">
-              <a:schemeClr val="lt1"/>
-            </a:fontRef>
-          </p:style>
-          <p:txBody>
-            <a:bodyPr rtlCol="0" anchor="ctr"/>
-            <a:lstStyle/>
-            <a:p>
-              <a:pPr algn="ctr"/>
-              <a:r>
-                <a:rPr lang="ko-KR" altLang="en-US" dirty="0" smtClean="0"/>
-                <a:t>고용</a:t>
-              </a:r>
-              <a:endParaRPr lang="ko-KR" altLang="en-US" dirty="0"/>
-            </a:p>
-          </p:txBody>
-        </p:sp>
-        <p:sp>
-          <p:nvSpPr>
-            <p:cNvPr id="37" name="직사각형 36"/>
-            <p:cNvSpPr/>
-            <p:nvPr/>
-          </p:nvSpPr>
-          <p:spPr>
-            <a:xfrm>
-              <a:off x="4080294" y="5880159"/>
-              <a:ext cx="819510" cy="298745"/>
-            </a:xfrm>
-            <a:prstGeom prst="rect">
-              <a:avLst/>
-            </a:prstGeom>
-          </p:spPr>
-          <p:style>
-            <a:lnRef idx="2">
-              <a:schemeClr val="accent1">
-                <a:shade val="50000"/>
-              </a:schemeClr>
-            </a:lnRef>
-            <a:fillRef idx="1">
-              <a:schemeClr val="accent1"/>
-            </a:fillRef>
-            <a:effectRef idx="0">
-              <a:schemeClr val="accent1"/>
-            </a:effectRef>
-            <a:fontRef idx="minor">
-              <a:schemeClr val="lt1"/>
-            </a:fontRef>
-          </p:style>
-          <p:txBody>
-            <a:bodyPr rtlCol="0" anchor="ctr"/>
-            <a:lstStyle/>
-            <a:p>
-              <a:pPr algn="ctr"/>
-              <a:r>
-                <a:rPr lang="ko-KR" altLang="en-US" dirty="0" smtClean="0"/>
-                <a:t>고용</a:t>
-              </a:r>
-              <a:endParaRPr lang="ko-KR" altLang="en-US" dirty="0"/>
-            </a:p>
-          </p:txBody>
-        </p:sp>
-        <p:sp>
-          <p:nvSpPr>
-            <p:cNvPr id="12" name="TextBox 11"/>
-            <p:cNvSpPr txBox="1"/>
-            <p:nvPr/>
-          </p:nvSpPr>
-          <p:spPr>
-            <a:xfrm>
-              <a:off x="5302596" y="4886864"/>
-              <a:ext cx="648419" cy="380910"/>
-            </a:xfrm>
-            <a:prstGeom prst="rect">
-              <a:avLst/>
-            </a:prstGeom>
-            <a:noFill/>
-          </p:spPr>
-          <p:txBody>
-            <a:bodyPr wrap="square" rtlCol="0">
-              <a:spAutoFit/>
-            </a:bodyPr>
-            <a:lstStyle/>
-            <a:p>
-              <a:r>
-                <a:rPr lang="en-US" altLang="ko-KR" dirty="0" smtClean="0"/>
-                <a:t>x 6</a:t>
-              </a:r>
-              <a:endParaRPr lang="ko-KR" altLang="en-US" dirty="0"/>
-            </a:p>
-          </p:txBody>
-        </p:sp>
-        <p:sp>
-          <p:nvSpPr>
-            <p:cNvPr id="38" name="TextBox 37"/>
-            <p:cNvSpPr txBox="1"/>
-            <p:nvPr/>
-          </p:nvSpPr>
-          <p:spPr>
-            <a:xfrm>
-              <a:off x="5302596" y="4412197"/>
-              <a:ext cx="648419" cy="380910"/>
-            </a:xfrm>
-            <a:prstGeom prst="rect">
-              <a:avLst/>
-            </a:prstGeom>
-            <a:noFill/>
-          </p:spPr>
-          <p:txBody>
-            <a:bodyPr wrap="square" rtlCol="0">
-              <a:spAutoFit/>
-            </a:bodyPr>
-            <a:lstStyle/>
-            <a:p>
-              <a:r>
-                <a:rPr lang="en-US" altLang="ko-KR" dirty="0" smtClean="0"/>
-                <a:t>x 12</a:t>
-              </a:r>
-              <a:endParaRPr lang="ko-KR" altLang="en-US" dirty="0"/>
-            </a:p>
-          </p:txBody>
-        </p:sp>
-        <p:sp>
-          <p:nvSpPr>
-            <p:cNvPr id="39" name="TextBox 38"/>
-            <p:cNvSpPr txBox="1"/>
-            <p:nvPr/>
-          </p:nvSpPr>
-          <p:spPr>
-            <a:xfrm>
-              <a:off x="5302596" y="5836199"/>
-              <a:ext cx="648419" cy="380910"/>
-            </a:xfrm>
-            <a:prstGeom prst="rect">
-              <a:avLst/>
-            </a:prstGeom>
-            <a:noFill/>
-          </p:spPr>
-          <p:txBody>
-            <a:bodyPr wrap="square" rtlCol="0">
-              <a:spAutoFit/>
-            </a:bodyPr>
-            <a:lstStyle/>
-            <a:p>
-              <a:r>
-                <a:rPr lang="en-US" altLang="ko-KR" dirty="0" smtClean="0"/>
-                <a:t>x 1</a:t>
-              </a:r>
-              <a:endParaRPr lang="ko-KR" altLang="en-US" dirty="0"/>
-            </a:p>
-          </p:txBody>
-        </p:sp>
-        <p:sp>
-          <p:nvSpPr>
-            <p:cNvPr id="40" name="TextBox 39"/>
-            <p:cNvSpPr txBox="1"/>
-            <p:nvPr/>
-          </p:nvSpPr>
-          <p:spPr>
-            <a:xfrm>
-              <a:off x="5302596" y="5361531"/>
-              <a:ext cx="648419" cy="380910"/>
-            </a:xfrm>
-            <a:prstGeom prst="rect">
-              <a:avLst/>
-            </a:prstGeom>
-            <a:noFill/>
-          </p:spPr>
-          <p:txBody>
-            <a:bodyPr wrap="square" rtlCol="0">
-              <a:spAutoFit/>
-            </a:bodyPr>
-            <a:lstStyle/>
-            <a:p>
-              <a:r>
-                <a:rPr lang="en-US" altLang="ko-KR" dirty="0" smtClean="0"/>
-                <a:t>x 3</a:t>
-              </a:r>
-              <a:endParaRPr lang="ko-KR" altLang="en-US" dirty="0"/>
-            </a:p>
-          </p:txBody>
-        </p:sp>
-      </p:grpSp>
+            </a:solidFill>
+          </a:ln>
+        </p:spPr>
+        <p:style>
+          <a:lnRef idx="1">
+            <a:schemeClr val="accent1"/>
+          </a:lnRef>
+          <a:fillRef idx="0">
+            <a:schemeClr val="accent1"/>
+          </a:fillRef>
+          <a:effectRef idx="0">
+            <a:schemeClr val="accent1"/>
+          </a:effectRef>
+          <a:fontRef idx="minor">
+            <a:schemeClr val="tx1"/>
+          </a:fontRef>
+        </p:style>
+      </p:cxnSp>
+      <p:pic>
+        <p:nvPicPr>
+          <p:cNvPr id="2" name="그림 1"/>
+          <p:cNvPicPr>
+            <a:picLocks noChangeAspect="1"/>
+          </p:cNvPicPr>
+          <p:nvPr/>
+        </p:nvPicPr>
+        <p:blipFill>
+          <a:blip r:embed="rId3"/>
+          <a:stretch>
+            <a:fillRect/>
+          </a:stretch>
+        </p:blipFill>
+        <p:spPr>
+          <a:xfrm>
+            <a:off x="3195758" y="1026780"/>
+            <a:ext cx="1296838" cy="992892"/>
+          </a:xfrm>
+          <a:prstGeom prst="rect">
+            <a:avLst/>
+          </a:prstGeom>
+        </p:spPr>
+      </p:pic>
+      <p:pic>
+        <p:nvPicPr>
+          <p:cNvPr id="16" name="그림 15"/>
+          <p:cNvPicPr>
+            <a:picLocks noChangeAspect="1"/>
+          </p:cNvPicPr>
+          <p:nvPr/>
+        </p:nvPicPr>
+        <p:blipFill>
+          <a:blip r:embed="rId3"/>
+          <a:stretch>
+            <a:fillRect/>
+          </a:stretch>
+        </p:blipFill>
+        <p:spPr>
+          <a:xfrm>
+            <a:off x="3195758" y="2534088"/>
+            <a:ext cx="1296838" cy="992892"/>
+          </a:xfrm>
+          <a:prstGeom prst="rect">
+            <a:avLst/>
+          </a:prstGeom>
+        </p:spPr>
+      </p:pic>
+      <p:pic>
+        <p:nvPicPr>
+          <p:cNvPr id="17" name="그림 16"/>
+          <p:cNvPicPr>
+            <a:picLocks noChangeAspect="1"/>
+          </p:cNvPicPr>
+          <p:nvPr/>
+        </p:nvPicPr>
+        <p:blipFill>
+          <a:blip r:embed="rId3"/>
+          <a:stretch>
+            <a:fillRect/>
+          </a:stretch>
+        </p:blipFill>
+        <p:spPr>
+          <a:xfrm>
+            <a:off x="4654177" y="2534088"/>
+            <a:ext cx="1296838" cy="992892"/>
+          </a:xfrm>
+          <a:prstGeom prst="rect">
+            <a:avLst/>
+          </a:prstGeom>
+        </p:spPr>
+      </p:pic>
+      <p:pic>
+        <p:nvPicPr>
+          <p:cNvPr id="27" name="그림 26"/>
+          <p:cNvPicPr>
+            <a:picLocks noChangeAspect="1"/>
+          </p:cNvPicPr>
+          <p:nvPr/>
+        </p:nvPicPr>
+        <p:blipFill>
+          <a:blip r:embed="rId3"/>
+          <a:stretch>
+            <a:fillRect/>
+          </a:stretch>
+        </p:blipFill>
+        <p:spPr>
+          <a:xfrm>
+            <a:off x="4654177" y="1026780"/>
+            <a:ext cx="1296838" cy="992892"/>
+          </a:xfrm>
+          <a:prstGeom prst="rect">
+            <a:avLst/>
+          </a:prstGeom>
+        </p:spPr>
+      </p:pic>
+      <p:sp>
+        <p:nvSpPr>
+          <p:cNvPr id="9" name="TextBox 8"/>
+          <p:cNvSpPr txBox="1"/>
+          <p:nvPr/>
+        </p:nvSpPr>
+        <p:spPr>
+          <a:xfrm>
+            <a:off x="3066363" y="4413545"/>
+            <a:ext cx="625744" cy="379562"/>
+          </a:xfrm>
+          <a:prstGeom prst="rect">
+            <a:avLst/>
+          </a:prstGeom>
+          <a:noFill/>
+        </p:spPr>
+        <p:txBody>
+          <a:bodyPr wrap="square" rtlCol="0">
+            <a:spAutoFit/>
+          </a:bodyPr>
+          <a:lstStyle/>
+          <a:p>
+            <a:r>
+              <a:rPr lang="en-US" altLang="ko-KR" dirty="0" err="1" smtClean="0"/>
+              <a:t>Lv</a:t>
+            </a:r>
+            <a:r>
+              <a:rPr lang="en-US" altLang="ko-KR" dirty="0" smtClean="0"/>
+              <a:t> 1 </a:t>
+            </a:r>
+            <a:endParaRPr lang="ko-KR" altLang="en-US" dirty="0"/>
+          </a:p>
+        </p:txBody>
+      </p:sp>
+      <p:sp>
+        <p:nvSpPr>
+          <p:cNvPr id="32" name="TextBox 31"/>
+          <p:cNvSpPr txBox="1"/>
+          <p:nvPr/>
+        </p:nvSpPr>
+        <p:spPr>
+          <a:xfrm>
+            <a:off x="3066363" y="4887988"/>
+            <a:ext cx="625744" cy="379562"/>
+          </a:xfrm>
+          <a:prstGeom prst="rect">
+            <a:avLst/>
+          </a:prstGeom>
+          <a:noFill/>
+        </p:spPr>
+        <p:txBody>
+          <a:bodyPr wrap="square" rtlCol="0">
+            <a:spAutoFit/>
+          </a:bodyPr>
+          <a:lstStyle/>
+          <a:p>
+            <a:r>
+              <a:rPr lang="en-US" altLang="ko-KR" dirty="0" err="1" smtClean="0"/>
+              <a:t>Lv</a:t>
+            </a:r>
+            <a:r>
+              <a:rPr lang="en-US" altLang="ko-KR" dirty="0" smtClean="0"/>
+              <a:t> 2 </a:t>
+            </a:r>
+            <a:endParaRPr lang="ko-KR" altLang="en-US" dirty="0"/>
+          </a:p>
+        </p:txBody>
+      </p:sp>
+      <p:sp>
+        <p:nvSpPr>
+          <p:cNvPr id="33" name="TextBox 32"/>
+          <p:cNvSpPr txBox="1"/>
+          <p:nvPr/>
+        </p:nvSpPr>
+        <p:spPr>
+          <a:xfrm>
+            <a:off x="3066363" y="5362431"/>
+            <a:ext cx="625744" cy="379562"/>
+          </a:xfrm>
+          <a:prstGeom prst="rect">
+            <a:avLst/>
+          </a:prstGeom>
+          <a:noFill/>
+        </p:spPr>
+        <p:txBody>
+          <a:bodyPr wrap="square" rtlCol="0">
+            <a:spAutoFit/>
+          </a:bodyPr>
+          <a:lstStyle/>
+          <a:p>
+            <a:r>
+              <a:rPr lang="en-US" altLang="ko-KR" dirty="0" err="1" smtClean="0"/>
+              <a:t>Lv</a:t>
+            </a:r>
+            <a:r>
+              <a:rPr lang="en-US" altLang="ko-KR" dirty="0" smtClean="0"/>
+              <a:t> 3 </a:t>
+            </a:r>
+            <a:endParaRPr lang="ko-KR" altLang="en-US" dirty="0"/>
+          </a:p>
+        </p:txBody>
+      </p:sp>
+      <p:sp>
+        <p:nvSpPr>
+          <p:cNvPr id="34" name="TextBox 33"/>
+          <p:cNvSpPr txBox="1"/>
+          <p:nvPr/>
+        </p:nvSpPr>
+        <p:spPr>
+          <a:xfrm>
+            <a:off x="3066363" y="5836873"/>
+            <a:ext cx="625744" cy="379562"/>
+          </a:xfrm>
+          <a:prstGeom prst="rect">
+            <a:avLst/>
+          </a:prstGeom>
+          <a:noFill/>
+        </p:spPr>
+        <p:txBody>
+          <a:bodyPr wrap="square" rtlCol="0">
+            <a:spAutoFit/>
+          </a:bodyPr>
+          <a:lstStyle/>
+          <a:p>
+            <a:r>
+              <a:rPr lang="en-US" altLang="ko-KR" dirty="0" err="1" smtClean="0"/>
+              <a:t>Lv</a:t>
+            </a:r>
+            <a:r>
+              <a:rPr lang="en-US" altLang="ko-KR" dirty="0" smtClean="0"/>
+              <a:t> 4 </a:t>
+            </a:r>
+            <a:endParaRPr lang="ko-KR" altLang="en-US" dirty="0"/>
+          </a:p>
+        </p:txBody>
+      </p:sp>
+      <p:sp>
+        <p:nvSpPr>
+          <p:cNvPr id="10" name="TextBox 9"/>
+          <p:cNvSpPr txBox="1"/>
+          <p:nvPr/>
+        </p:nvSpPr>
+        <p:spPr>
+          <a:xfrm>
+            <a:off x="3363142" y="3962476"/>
+            <a:ext cx="2258908" cy="369332"/>
+          </a:xfrm>
+          <a:prstGeom prst="rect">
+            <a:avLst/>
+          </a:prstGeom>
+          <a:noFill/>
+        </p:spPr>
+        <p:txBody>
+          <a:bodyPr wrap="square" rtlCol="0">
+            <a:spAutoFit/>
+          </a:bodyPr>
+          <a:lstStyle/>
+          <a:p>
+            <a:pPr algn="ctr"/>
+            <a:r>
+              <a:rPr lang="ko-KR" altLang="en-US" dirty="0" smtClean="0"/>
+              <a:t>갱단 관리</a:t>
+            </a:r>
+            <a:endParaRPr lang="ko-KR" altLang="en-US" dirty="0"/>
+          </a:p>
+        </p:txBody>
+      </p:sp>
+      <p:sp>
+        <p:nvSpPr>
+          <p:cNvPr id="11" name="직사각형 10"/>
+          <p:cNvSpPr/>
+          <p:nvPr/>
+        </p:nvSpPr>
+        <p:spPr>
+          <a:xfrm>
+            <a:off x="4080294" y="4451410"/>
+            <a:ext cx="819510" cy="298745"/>
+          </a:xfrm>
+          <a:prstGeom prst="rect">
+            <a:avLst/>
+          </a:prstGeom>
+        </p:spPr>
+        <p:style>
+          <a:lnRef idx="2">
+            <a:schemeClr val="accent1">
+              <a:shade val="50000"/>
+            </a:schemeClr>
+          </a:lnRef>
+          <a:fillRef idx="1">
+            <a:schemeClr val="accent1"/>
+          </a:fillRef>
+          <a:effectRef idx="0">
+            <a:schemeClr val="accent1"/>
+          </a:effectRef>
+          <a:fontRef idx="minor">
+            <a:schemeClr val="lt1"/>
+          </a:fontRef>
+        </p:style>
+        <p:txBody>
+          <a:bodyPr rtlCol="0" anchor="ctr"/>
+          <a:lstStyle/>
+          <a:p>
+            <a:pPr algn="ctr"/>
+            <a:r>
+              <a:rPr lang="ko-KR" altLang="en-US" dirty="0" smtClean="0"/>
+              <a:t>고용</a:t>
+            </a:r>
+            <a:endParaRPr lang="ko-KR" altLang="en-US" dirty="0"/>
+          </a:p>
+        </p:txBody>
+      </p:sp>
+      <p:sp>
+        <p:nvSpPr>
+          <p:cNvPr id="35" name="직사각형 34"/>
+          <p:cNvSpPr/>
+          <p:nvPr/>
+        </p:nvSpPr>
+        <p:spPr>
+          <a:xfrm>
+            <a:off x="4080294" y="4927660"/>
+            <a:ext cx="819510" cy="298745"/>
+          </a:xfrm>
+          <a:prstGeom prst="rect">
+            <a:avLst/>
+          </a:prstGeom>
+        </p:spPr>
+        <p:style>
+          <a:lnRef idx="2">
+            <a:schemeClr val="accent1">
+              <a:shade val="50000"/>
+            </a:schemeClr>
+          </a:lnRef>
+          <a:fillRef idx="1">
+            <a:schemeClr val="accent1"/>
+          </a:fillRef>
+          <a:effectRef idx="0">
+            <a:schemeClr val="accent1"/>
+          </a:effectRef>
+          <a:fontRef idx="minor">
+            <a:schemeClr val="lt1"/>
+          </a:fontRef>
+        </p:style>
+        <p:txBody>
+          <a:bodyPr rtlCol="0" anchor="ctr"/>
+          <a:lstStyle/>
+          <a:p>
+            <a:pPr algn="ctr"/>
+            <a:r>
+              <a:rPr lang="ko-KR" altLang="en-US" dirty="0" smtClean="0"/>
+              <a:t>고용</a:t>
+            </a:r>
+            <a:endParaRPr lang="ko-KR" altLang="en-US" dirty="0"/>
+          </a:p>
+        </p:txBody>
+      </p:sp>
+      <p:sp>
+        <p:nvSpPr>
+          <p:cNvPr id="36" name="직사각형 35"/>
+          <p:cNvSpPr/>
+          <p:nvPr/>
+        </p:nvSpPr>
+        <p:spPr>
+          <a:xfrm>
+            <a:off x="4080294" y="5403910"/>
+            <a:ext cx="819510" cy="298745"/>
+          </a:xfrm>
+          <a:prstGeom prst="rect">
+            <a:avLst/>
+          </a:prstGeom>
+        </p:spPr>
+        <p:style>
+          <a:lnRef idx="2">
+            <a:schemeClr val="accent1">
+              <a:shade val="50000"/>
+            </a:schemeClr>
+          </a:lnRef>
+          <a:fillRef idx="1">
+            <a:schemeClr val="accent1"/>
+          </a:fillRef>
+          <a:effectRef idx="0">
+            <a:schemeClr val="accent1"/>
+          </a:effectRef>
+          <a:fontRef idx="minor">
+            <a:schemeClr val="lt1"/>
+          </a:fontRef>
+        </p:style>
+        <p:txBody>
+          <a:bodyPr rtlCol="0" anchor="ctr"/>
+          <a:lstStyle/>
+          <a:p>
+            <a:pPr algn="ctr"/>
+            <a:r>
+              <a:rPr lang="ko-KR" altLang="en-US" dirty="0" smtClean="0"/>
+              <a:t>고용</a:t>
+            </a:r>
+            <a:endParaRPr lang="ko-KR" altLang="en-US" dirty="0"/>
+          </a:p>
+        </p:txBody>
+      </p:sp>
+      <p:sp>
+        <p:nvSpPr>
+          <p:cNvPr id="37" name="직사각형 36"/>
+          <p:cNvSpPr/>
+          <p:nvPr/>
+        </p:nvSpPr>
+        <p:spPr>
+          <a:xfrm>
+            <a:off x="4080294" y="5880159"/>
+            <a:ext cx="819510" cy="298745"/>
+          </a:xfrm>
+          <a:prstGeom prst="rect">
+            <a:avLst/>
+          </a:prstGeom>
+        </p:spPr>
+        <p:style>
+          <a:lnRef idx="2">
+            <a:schemeClr val="accent1">
+              <a:shade val="50000"/>
+            </a:schemeClr>
+          </a:lnRef>
+          <a:fillRef idx="1">
+            <a:schemeClr val="accent1"/>
+          </a:fillRef>
+          <a:effectRef idx="0">
+            <a:schemeClr val="accent1"/>
+          </a:effectRef>
+          <a:fontRef idx="minor">
+            <a:schemeClr val="lt1"/>
+          </a:fontRef>
+        </p:style>
+        <p:txBody>
+          <a:bodyPr rtlCol="0" anchor="ctr"/>
+          <a:lstStyle/>
+          <a:p>
+            <a:pPr algn="ctr"/>
+            <a:r>
+              <a:rPr lang="ko-KR" altLang="en-US" dirty="0" smtClean="0"/>
+              <a:t>고용</a:t>
+            </a:r>
+            <a:endParaRPr lang="ko-KR" altLang="en-US" dirty="0"/>
+          </a:p>
+        </p:txBody>
+      </p:sp>
     </p:spTree>
     <p:extLst>
       <p:ext uri="{BB962C8B-B14F-4D97-AF65-F5344CB8AC3E}">
@@ -4950,6 +4704,13 @@
   <p:clrMapOvr>
     <a:masterClrMapping/>
   </p:clrMapOvr>
+  <p:timing>
+    <p:tnLst>
+      <p:par>
+        <p:cTn id="1" dur="indefinite" restart="never" nodeType="tmRoot"/>
+      </p:par>
+    </p:tnLst>
+  </p:timing>
 </p:sld>
 </file>
 
@@ -6031,126 +5792,6 @@
         </p:sp>
         <p:sp>
           <p:nvSpPr>
-            <p:cNvPr id="12" name="TextBox 11"/>
-            <p:cNvSpPr txBox="1"/>
-            <p:nvPr/>
-          </p:nvSpPr>
-          <p:spPr>
-            <a:xfrm>
-              <a:off x="5302596" y="4886864"/>
-              <a:ext cx="648419" cy="380910"/>
-            </a:xfrm>
-            <a:prstGeom prst="rect">
-              <a:avLst/>
-            </a:prstGeom>
-            <a:noFill/>
-          </p:spPr>
-          <p:txBody>
-            <a:bodyPr wrap="square" rtlCol="0">
-              <a:spAutoFit/>
-            </a:bodyPr>
-            <a:lstStyle/>
-            <a:p>
-              <a:r>
-                <a:rPr lang="en-US" altLang="ko-KR" dirty="0" smtClean="0"/>
-                <a:t>x 6</a:t>
-              </a:r>
-              <a:endParaRPr lang="ko-KR" altLang="en-US" dirty="0"/>
-            </a:p>
-          </p:txBody>
-        </p:sp>
-        <p:sp>
-          <p:nvSpPr>
-            <p:cNvPr id="38" name="TextBox 37"/>
-            <p:cNvSpPr txBox="1"/>
-            <p:nvPr/>
-          </p:nvSpPr>
-          <p:spPr>
-            <a:xfrm>
-              <a:off x="5302596" y="4412197"/>
-              <a:ext cx="648419" cy="380910"/>
-            </a:xfrm>
-            <a:prstGeom prst="rect">
-              <a:avLst/>
-            </a:prstGeom>
-            <a:noFill/>
-          </p:spPr>
-          <p:txBody>
-            <a:bodyPr wrap="square" rtlCol="0">
-              <a:spAutoFit/>
-            </a:bodyPr>
-            <a:lstStyle/>
-            <a:p>
-              <a:r>
-                <a:rPr lang="en-US" altLang="ko-KR" dirty="0" smtClean="0"/>
-                <a:t>x 12</a:t>
-              </a:r>
-              <a:endParaRPr lang="ko-KR" altLang="en-US" dirty="0"/>
-            </a:p>
-          </p:txBody>
-        </p:sp>
-        <p:sp>
-          <p:nvSpPr>
-            <p:cNvPr id="39" name="TextBox 38"/>
-            <p:cNvSpPr txBox="1"/>
-            <p:nvPr/>
-          </p:nvSpPr>
-          <p:spPr>
-            <a:xfrm>
-              <a:off x="5302596" y="5836199"/>
-              <a:ext cx="648419" cy="380910"/>
-            </a:xfrm>
-            <a:prstGeom prst="rect">
-              <a:avLst/>
-            </a:prstGeom>
-            <a:noFill/>
-          </p:spPr>
-          <p:txBody>
-            <a:bodyPr wrap="square" rtlCol="0">
-              <a:spAutoFit/>
-            </a:bodyPr>
-            <a:lstStyle/>
-            <a:p>
-              <a:r>
-                <a:rPr lang="en-US" altLang="ko-KR" dirty="0" smtClean="0"/>
-                <a:t>x 1</a:t>
-              </a:r>
-              <a:endParaRPr lang="ko-KR" altLang="en-US" dirty="0"/>
-            </a:p>
-          </p:txBody>
-        </p:sp>
-        <p:sp>
-          <p:nvSpPr>
-            <p:cNvPr id="40" name="TextBox 39"/>
-            <p:cNvSpPr txBox="1"/>
-            <p:nvPr/>
-          </p:nvSpPr>
-          <p:spPr>
-            <a:xfrm>
-              <a:off x="5302596" y="5361531"/>
-              <a:ext cx="648419" cy="380910"/>
-            </a:xfrm>
-            <a:prstGeom prst="rect">
-              <a:avLst/>
-            </a:prstGeom>
-            <a:noFill/>
-          </p:spPr>
-          <p:txBody>
-            <a:bodyPr wrap="square" rtlCol="0">
-              <a:spAutoFit/>
-            </a:bodyPr>
-            <a:lstStyle/>
-            <a:p>
-              <a:r>
-                <a:rPr lang="en-US" altLang="ko-KR" dirty="0" smtClean="0"/>
-                <a:t>x 3</a:t>
-              </a:r>
-              <a:endParaRPr lang="ko-KR" altLang="en-US" dirty="0"/>
-            </a:p>
-          </p:txBody>
-        </p:sp>
-        <p:sp>
-          <p:nvSpPr>
             <p:cNvPr id="8" name="TextBox 7"/>
             <p:cNvSpPr txBox="1"/>
             <p:nvPr/>
@@ -6459,30 +6100,6 @@
             </a:fontRef>
           </p:style>
         </p:cxnSp>
-        <p:pic>
-          <p:nvPicPr>
-            <p:cNvPr id="3" name="그림 2"/>
-            <p:cNvPicPr>
-              <a:picLocks noChangeAspect="1"/>
-            </p:cNvPicPr>
-            <p:nvPr/>
-          </p:nvPicPr>
-          <p:blipFill>
-            <a:blip r:embed="rId2"/>
-            <a:stretch>
-              <a:fillRect/>
-            </a:stretch>
-          </p:blipFill>
-          <p:spPr>
-            <a:xfrm>
-              <a:off x="3066631" y="1016519"/>
-              <a:ext cx="2523286" cy="2699038"/>
-            </a:xfrm>
-            <a:prstGeom prst="rect">
-              <a:avLst/>
-            </a:prstGeom>
-          </p:spPr>
-        </p:pic>
         <p:sp>
           <p:nvSpPr>
             <p:cNvPr id="27" name="TextBox 26"/>
@@ -6509,50 +6126,6 @@
               <a:r>
                 <a:rPr lang="ko-KR" altLang="en-US" dirty="0" smtClean="0"/>
                 <a:t>플레이어 스킬</a:t>
-              </a:r>
-              <a:endParaRPr lang="ko-KR" altLang="en-US" dirty="0"/>
-            </a:p>
-          </p:txBody>
-        </p:sp>
-        <p:sp>
-          <p:nvSpPr>
-            <p:cNvPr id="28" name="직사각형 27"/>
-            <p:cNvSpPr/>
-            <p:nvPr/>
-          </p:nvSpPr>
-          <p:spPr>
-            <a:xfrm>
-              <a:off x="4208481" y="4595792"/>
-              <a:ext cx="632153" cy="298745"/>
-            </a:xfrm>
-            <a:prstGeom prst="rect">
-              <a:avLst/>
-            </a:prstGeom>
-          </p:spPr>
-          <p:style>
-            <a:lnRef idx="2">
-              <a:schemeClr val="accent1">
-                <a:shade val="50000"/>
-              </a:schemeClr>
-            </a:lnRef>
-            <a:fillRef idx="1">
-              <a:schemeClr val="accent1"/>
-            </a:fillRef>
-            <a:effectRef idx="0">
-              <a:schemeClr val="accent1"/>
-            </a:effectRef>
-            <a:fontRef idx="minor">
-              <a:schemeClr val="lt1"/>
-            </a:fontRef>
-          </p:style>
-          <p:txBody>
-            <a:bodyPr rtlCol="0" anchor="ctr"/>
-            <a:lstStyle/>
-            <a:p>
-              <a:pPr algn="ctr"/>
-              <a:r>
-                <a:rPr lang="en-US" altLang="ko-KR" dirty="0" smtClean="0"/>
-                <a:t>LV 3</a:t>
               </a:r>
               <a:endParaRPr lang="ko-KR" altLang="en-US" dirty="0"/>
             </a:p>
@@ -6590,97 +6163,6 @@
         </p:sp>
         <p:sp>
           <p:nvSpPr>
-            <p:cNvPr id="31" name="직사각형 30"/>
-            <p:cNvSpPr/>
-            <p:nvPr/>
-          </p:nvSpPr>
-          <p:spPr>
-            <a:xfrm>
-              <a:off x="4873926" y="4595792"/>
-              <a:ext cx="1224950" cy="298745"/>
-            </a:xfrm>
-            <a:prstGeom prst="rect">
-              <a:avLst/>
-            </a:prstGeom>
-            <a:solidFill>
-              <a:srgbClr val="FF0000"/>
-            </a:solidFill>
-          </p:spPr>
-          <p:style>
-            <a:lnRef idx="2">
-              <a:schemeClr val="accent1">
-                <a:shade val="50000"/>
-              </a:schemeClr>
-            </a:lnRef>
-            <a:fillRef idx="1">
-              <a:schemeClr val="accent1"/>
-            </a:fillRef>
-            <a:effectRef idx="0">
-              <a:schemeClr val="accent1"/>
-            </a:effectRef>
-            <a:fontRef idx="minor">
-              <a:schemeClr val="lt1"/>
-            </a:fontRef>
-          </p:style>
-          <p:txBody>
-            <a:bodyPr rtlCol="0" anchor="ctr"/>
-            <a:lstStyle/>
-            <a:p>
-              <a:pPr algn="ctr"/>
-              <a:r>
-                <a:rPr lang="ko-KR" altLang="en-US" sz="1600" dirty="0" smtClean="0"/>
-                <a:t>업그레이드</a:t>
-              </a:r>
-              <a:endParaRPr lang="ko-KR" altLang="en-US" sz="1600" dirty="0"/>
-            </a:p>
-          </p:txBody>
-        </p:sp>
-        <p:sp>
-          <p:nvSpPr>
-            <p:cNvPr id="32" name="직사각형 31"/>
-            <p:cNvSpPr/>
-            <p:nvPr/>
-          </p:nvSpPr>
-          <p:spPr>
-            <a:xfrm>
-              <a:off x="4208481" y="5025609"/>
-              <a:ext cx="632153" cy="298745"/>
-            </a:xfrm>
-            <a:prstGeom prst="rect">
-              <a:avLst/>
-            </a:prstGeom>
-          </p:spPr>
-          <p:style>
-            <a:lnRef idx="2">
-              <a:schemeClr val="accent1">
-                <a:shade val="50000"/>
-              </a:schemeClr>
-            </a:lnRef>
-            <a:fillRef idx="1">
-              <a:schemeClr val="accent1"/>
-            </a:fillRef>
-            <a:effectRef idx="0">
-              <a:schemeClr val="accent1"/>
-            </a:effectRef>
-            <a:fontRef idx="minor">
-              <a:schemeClr val="lt1"/>
-            </a:fontRef>
-          </p:style>
-          <p:txBody>
-            <a:bodyPr rtlCol="0" anchor="ctr"/>
-            <a:lstStyle/>
-            <a:p>
-              <a:pPr algn="ctr"/>
-              <a:r>
-                <a:rPr lang="en-US" altLang="ko-KR" dirty="0" smtClean="0"/>
-                <a:t>LV 4</a:t>
-              </a:r>
-              <a:endParaRPr lang="ko-KR" altLang="en-US" dirty="0"/>
-            </a:p>
-          </p:txBody>
-        </p:sp>
-        <p:sp>
-          <p:nvSpPr>
             <p:cNvPr id="33" name="TextBox 32"/>
             <p:cNvSpPr txBox="1"/>
             <p:nvPr/>
@@ -6704,53 +6186,6 @@
               <a:r>
                 <a:rPr lang="ko-KR" altLang="en-US" sz="1600" dirty="0" smtClean="0"/>
                 <a:t>위장술</a:t>
-              </a:r>
-              <a:endParaRPr lang="ko-KR" altLang="en-US" sz="1600" dirty="0"/>
-            </a:p>
-          </p:txBody>
-        </p:sp>
-        <p:sp>
-          <p:nvSpPr>
-            <p:cNvPr id="34" name="직사각형 33"/>
-            <p:cNvSpPr/>
-            <p:nvPr/>
-          </p:nvSpPr>
-          <p:spPr>
-            <a:xfrm>
-              <a:off x="4873926" y="5025609"/>
-              <a:ext cx="1224950" cy="298745"/>
-            </a:xfrm>
-            <a:prstGeom prst="rect">
-              <a:avLst/>
-            </a:prstGeom>
-            <a:solidFill>
-              <a:srgbClr val="FF0000"/>
-            </a:solidFill>
-          </p:spPr>
-          <p:style>
-            <a:lnRef idx="2">
-              <a:schemeClr val="accent1">
-                <a:shade val="50000"/>
-              </a:schemeClr>
-            </a:lnRef>
-            <a:fillRef idx="1">
-              <a:schemeClr val="accent1"/>
-            </a:fillRef>
-            <a:effectRef idx="0">
-              <a:schemeClr val="accent1"/>
-            </a:effectRef>
-            <a:fontRef idx="minor">
-              <a:schemeClr val="lt1"/>
-            </a:fontRef>
-          </p:style>
-          <p:txBody>
-            <a:bodyPr rtlCol="0" anchor="ctr"/>
-            <a:lstStyle/>
-            <a:p>
-              <a:pPr algn="ctr"/>
-              <a:r>
-                <a:rPr lang="ko-KR" altLang="en-US" sz="1600" dirty="0" smtClean="0"/>
-                <a:t>업그레이드</a:t>
               </a:r>
               <a:endParaRPr lang="ko-KR" altLang="en-US" sz="1600" dirty="0"/>
             </a:p>

--- a/임시 UI.pptx
+++ b/임시 UI.pptx
@@ -6249,6 +6249,13 @@
   <p:clrMapOvr>
     <a:masterClrMapping/>
   </p:clrMapOvr>
+  <p:timing>
+    <p:tnLst>
+      <p:par>
+        <p:cTn id="1" dur="indefinite" restart="never" nodeType="tmRoot"/>
+      </p:par>
+    </p:tnLst>
+  </p:timing>
 </p:sld>
 </file>
 
@@ -6518,14 +6525,14 @@
           <p:nvPr>
             <p:extLst>
               <p:ext uri="{D42A27DB-BD31-4B8C-83A1-F6EECF244321}">
-                <p14:modId xmlns:p14="http://schemas.microsoft.com/office/powerpoint/2010/main" val="3980108516"/>
+                <p14:modId xmlns:p14="http://schemas.microsoft.com/office/powerpoint/2010/main" val="1777678960"/>
               </p:ext>
             </p:extLst>
           </p:nvPr>
         </p:nvGraphicFramePr>
         <p:xfrm>
-          <a:off x="3084422" y="4468483"/>
-          <a:ext cx="2971321" cy="1777044"/>
+          <a:off x="3027872" y="4330459"/>
+          <a:ext cx="3045124" cy="1984076"/>
         </p:xfrm>
         <a:graphic>
           <a:graphicData uri="http://schemas.openxmlformats.org/drawingml/2006/table">
@@ -6534,12 +6541,12 @@
                 <a:tableStyleId>{5940675A-B579-460E-94D1-54222C63F5DA}</a:tableStyleId>
               </a:tblPr>
               <a:tblGrid>
-                <a:gridCol w="452408"/>
+                <a:gridCol w="508958"/>
                 <a:gridCol w="793630"/>
                 <a:gridCol w="888521"/>
-                <a:gridCol w="836762"/>
+                <a:gridCol w="854015"/>
               </a:tblGrid>
-              <a:tr h="444261">
+              <a:tr h="496019">
                 <a:tc>
                   <a:txBody>
                     <a:bodyPr/>
@@ -6547,9 +6554,20 @@
                     <a:p>
                       <a:pPr latinLnBrk="1"/>
                       <a:r>
-                        <a:rPr lang="en-US" altLang="ko-KR" sz="1200" dirty="0" smtClean="0"/>
+                        <a:rPr lang="en-US" altLang="ko-KR" sz="1600" dirty="0" smtClean="0"/>
                         <a:t>1</a:t>
                       </a:r>
+                      <a:endParaRPr lang="ko-KR" altLang="en-US" sz="1600" dirty="0"/>
+                    </a:p>
+                  </a:txBody>
+                  <a:tcPr/>
+                </a:tc>
+                <a:tc>
+                  <a:txBody>
+                    <a:bodyPr/>
+                    <a:lstStyle/>
+                    <a:p>
+                      <a:pPr latinLnBrk="1"/>
                       <a:endParaRPr lang="ko-KR" altLang="en-US" sz="1200" dirty="0"/>
                     </a:p>
                   </a:txBody>
@@ -6561,14 +6579,45 @@
                     <a:lstStyle/>
                     <a:p>
                       <a:pPr latinLnBrk="1"/>
+                      <a:endParaRPr lang="ko-KR" altLang="en-US" sz="1200" dirty="0"/>
+                    </a:p>
+                  </a:txBody>
+                  <a:tcPr/>
+                </a:tc>
+                <a:tc>
+                  <a:txBody>
+                    <a:bodyPr/>
+                    <a:lstStyle/>
+                    <a:p>
+                      <a:pPr latinLnBrk="1"/>
+                      <a:endParaRPr lang="ko-KR" altLang="en-US" sz="1200" dirty="0"/>
+                    </a:p>
+                  </a:txBody>
+                  <a:tcPr/>
+                </a:tc>
+              </a:tr>
+              <a:tr h="496019">
+                <a:tc>
+                  <a:txBody>
+                    <a:bodyPr/>
+                    <a:lstStyle/>
+                    <a:p>
+                      <a:pPr latinLnBrk="1"/>
                       <a:r>
-                        <a:rPr lang="en-US" altLang="ko-KR" sz="1200" dirty="0" smtClean="0"/>
-                        <a:t>500</a:t>
+                        <a:rPr lang="en-US" altLang="ko-KR" sz="1600" dirty="0" smtClean="0"/>
+                        <a:t>2</a:t>
                       </a:r>
-                      <a:r>
-                        <a:rPr lang="ko-KR" altLang="en-US" sz="1200" dirty="0" smtClean="0"/>
-                        <a:t>억</a:t>
-                      </a:r>
+                      <a:endParaRPr lang="ko-KR" altLang="en-US" sz="1600" dirty="0"/>
+                    </a:p>
+                  </a:txBody>
+                  <a:tcPr/>
+                </a:tc>
+                <a:tc>
+                  <a:txBody>
+                    <a:bodyPr/>
+                    <a:lstStyle/>
+                    <a:p>
+                      <a:pPr latinLnBrk="1"/>
                       <a:endParaRPr lang="ko-KR" altLang="en-US" sz="1200" dirty="0"/>
                     </a:p>
                   </a:txBody>
@@ -6597,7 +6646,7 @@
                   <a:tcPr/>
                 </a:tc>
               </a:tr>
-              <a:tr h="444261">
+              <a:tr h="496019">
                 <a:tc>
                   <a:txBody>
                     <a:bodyPr/>
@@ -6605,10 +6654,10 @@
                     <a:p>
                       <a:pPr latinLnBrk="1"/>
                       <a:r>
-                        <a:rPr lang="en-US" altLang="ko-KR" sz="1200" dirty="0" smtClean="0"/>
-                        <a:t>2</a:t>
+                        <a:rPr lang="en-US" altLang="ko-KR" sz="1600" dirty="0" smtClean="0"/>
+                        <a:t>3</a:t>
                       </a:r>
-                      <a:endParaRPr lang="ko-KR" altLang="en-US" sz="1200" dirty="0"/>
+                      <a:endParaRPr lang="ko-KR" altLang="en-US" sz="1600" dirty="0"/>
                     </a:p>
                   </a:txBody>
                   <a:tcPr/>
@@ -6619,72 +6668,6 @@
                     <a:lstStyle/>
                     <a:p>
                       <a:pPr latinLnBrk="1"/>
-                      <a:r>
-                        <a:rPr lang="en-US" altLang="ko-KR" sz="1200" dirty="0" smtClean="0"/>
-                        <a:t>1000</a:t>
-                      </a:r>
-                      <a:r>
-                        <a:rPr lang="ko-KR" altLang="en-US" sz="1200" dirty="0" smtClean="0"/>
-                        <a:t>억</a:t>
-                      </a:r>
-                      <a:endParaRPr lang="ko-KR" altLang="en-US" sz="1200" dirty="0"/>
-                    </a:p>
-                  </a:txBody>
-                  <a:tcPr/>
-                </a:tc>
-                <a:tc>
-                  <a:txBody>
-                    <a:bodyPr/>
-                    <a:lstStyle/>
-                    <a:p>
-                      <a:pPr latinLnBrk="1"/>
-                      <a:endParaRPr lang="ko-KR" altLang="en-US" sz="1200" dirty="0"/>
-                    </a:p>
-                  </a:txBody>
-                  <a:tcPr/>
-                </a:tc>
-                <a:tc>
-                  <a:txBody>
-                    <a:bodyPr/>
-                    <a:lstStyle/>
-                    <a:p>
-                      <a:pPr latinLnBrk="1"/>
-                      <a:endParaRPr lang="ko-KR" altLang="en-US" sz="1200"/>
-                    </a:p>
-                  </a:txBody>
-                  <a:tcPr/>
-                </a:tc>
-              </a:tr>
-              <a:tr h="444261">
-                <a:tc>
-                  <a:txBody>
-                    <a:bodyPr/>
-                    <a:lstStyle/>
-                    <a:p>
-                      <a:pPr latinLnBrk="1"/>
-                      <a:r>
-                        <a:rPr lang="en-US" altLang="ko-KR" sz="1200" dirty="0" smtClean="0"/>
-                        <a:t>3</a:t>
-                      </a:r>
-                      <a:endParaRPr lang="ko-KR" altLang="en-US" sz="1200" dirty="0"/>
-                    </a:p>
-                  </a:txBody>
-                  <a:tcPr/>
-                </a:tc>
-                <a:tc>
-                  <a:txBody>
-                    <a:bodyPr/>
-                    <a:lstStyle/>
-                    <a:p>
-                      <a:pPr latinLnBrk="1"/>
-                      <a:r>
-                        <a:rPr lang="en-US" altLang="ko-KR" sz="1200" dirty="0" smtClean="0"/>
-                        <a:t>1500</a:t>
-                      </a:r>
-                      <a:r>
-                        <a:rPr lang="ko-KR" altLang="en-US" sz="1200" dirty="0" smtClean="0"/>
-                        <a:t>억</a:t>
-                      </a:r>
                       <a:endParaRPr lang="ko-KR" altLang="en-US" sz="1200" dirty="0"/>
                     </a:p>
                   </a:txBody>
@@ -6713,7 +6696,7 @@
                   <a:tcPr/>
                 </a:tc>
               </a:tr>
-              <a:tr h="444261">
+              <a:tr h="496019">
                 <a:tc>
                   <a:txBody>
                     <a:bodyPr/>
@@ -6721,10 +6704,10 @@
                     <a:p>
                       <a:pPr latinLnBrk="1"/>
                       <a:r>
-                        <a:rPr lang="en-US" altLang="ko-KR" sz="1200" dirty="0" smtClean="0"/>
+                        <a:rPr lang="en-US" altLang="ko-KR" sz="1600" dirty="0" smtClean="0"/>
                         <a:t>4</a:t>
                       </a:r>
-                      <a:endParaRPr lang="ko-KR" altLang="en-US" sz="1200" dirty="0"/>
+                      <a:endParaRPr lang="ko-KR" altLang="en-US" sz="1600" dirty="0"/>
                     </a:p>
                   </a:txBody>
                   <a:tcPr/>
@@ -6735,14 +6718,6 @@
                     <a:lstStyle/>
                     <a:p>
                       <a:pPr latinLnBrk="1"/>
-                      <a:r>
-                        <a:rPr lang="en-US" altLang="ko-KR" sz="1200" dirty="0" smtClean="0"/>
-                        <a:t>2000</a:t>
-                      </a:r>
-                      <a:r>
-                        <a:rPr lang="ko-KR" altLang="en-US" sz="1200" dirty="0" smtClean="0"/>
-                        <a:t>억</a:t>
-                      </a:r>
                       <a:endParaRPr lang="ko-KR" altLang="en-US" sz="1200" dirty="0"/>
                     </a:p>
                   </a:txBody>
@@ -6775,23 +6750,72 @@
           </a:graphicData>
         </a:graphic>
       </p:graphicFrame>
+      <p:sp>
+        <p:nvSpPr>
+          <p:cNvPr id="12" name="사다리꼴 11"/>
+          <p:cNvSpPr/>
+          <p:nvPr/>
+        </p:nvSpPr>
+        <p:spPr>
+          <a:xfrm>
+            <a:off x="3084422" y="3597234"/>
+            <a:ext cx="909608" cy="241640"/>
+          </a:xfrm>
+          <a:prstGeom prst="trapezoid">
+            <a:avLst/>
+          </a:prstGeom>
+          <a:solidFill>
+            <a:schemeClr val="accent4">
+              <a:lumMod val="75000"/>
+            </a:schemeClr>
+          </a:solidFill>
+        </p:spPr>
+        <p:style>
+          <a:lnRef idx="2">
+            <a:schemeClr val="accent1">
+              <a:shade val="50000"/>
+            </a:schemeClr>
+          </a:lnRef>
+          <a:fillRef idx="1">
+            <a:schemeClr val="accent1"/>
+          </a:fillRef>
+          <a:effectRef idx="0">
+            <a:schemeClr val="accent1"/>
+          </a:effectRef>
+          <a:fontRef idx="minor">
+            <a:schemeClr val="lt1"/>
+          </a:fontRef>
+        </p:style>
+        <p:txBody>
+          <a:bodyPr rtlCol="0" anchor="ctr"/>
+          <a:lstStyle/>
+          <a:p>
+            <a:pPr algn="ctr"/>
+            <a:r>
+              <a:rPr lang="ko-KR" altLang="en-US" sz="1400" dirty="0" smtClean="0"/>
+              <a:t>사기꾼</a:t>
+            </a:r>
+            <a:endParaRPr lang="ko-KR" altLang="en-US" sz="1400" dirty="0"/>
+          </a:p>
+        </p:txBody>
+      </p:sp>
       <p:graphicFrame>
         <p:nvGraphicFramePr>
-          <p:cNvPr id="10" name="표 9"/>
+          <p:cNvPr id="19" name="표 18"/>
           <p:cNvGraphicFramePr>
             <a:graphicFrameLocks noGrp="1"/>
           </p:cNvGraphicFramePr>
           <p:nvPr>
             <p:extLst>
               <p:ext uri="{D42A27DB-BD31-4B8C-83A1-F6EECF244321}">
-                <p14:modId xmlns:p14="http://schemas.microsoft.com/office/powerpoint/2010/main" val="2550362238"/>
+                <p14:modId xmlns:p14="http://schemas.microsoft.com/office/powerpoint/2010/main" val="134459669"/>
               </p:ext>
             </p:extLst>
           </p:nvPr>
         </p:nvGraphicFramePr>
         <p:xfrm>
-          <a:off x="3084422" y="3989865"/>
-          <a:ext cx="2971320" cy="370840"/>
+          <a:off x="3027872" y="3989865"/>
+          <a:ext cx="3045124" cy="340595"/>
         </p:xfrm>
         <a:graphic>
           <a:graphicData uri="http://schemas.openxmlformats.org/drawingml/2006/table">
@@ -6800,12 +6824,12 @@
                 <a:tableStyleId>{5940675A-B579-460E-94D1-54222C63F5DA}</a:tableStyleId>
               </a:tblPr>
               <a:tblGrid>
-                <a:gridCol w="469661"/>
-                <a:gridCol w="776377"/>
-                <a:gridCol w="897148"/>
-                <a:gridCol w="828134"/>
+                <a:gridCol w="508958"/>
+                <a:gridCol w="793630"/>
+                <a:gridCol w="888521"/>
+                <a:gridCol w="854015"/>
               </a:tblGrid>
-              <a:tr h="370840">
+              <a:tr h="340595">
                 <a:tc>
                   <a:txBody>
                     <a:bodyPr/>
@@ -6871,416 +6895,6 @@
           </a:graphicData>
         </a:graphic>
       </p:graphicFrame>
-      <p:sp>
-        <p:nvSpPr>
-          <p:cNvPr id="11" name="직사각형 10"/>
-          <p:cNvSpPr/>
-          <p:nvPr/>
-        </p:nvSpPr>
-        <p:spPr>
-          <a:xfrm>
-            <a:off x="4390845" y="4511696"/>
-            <a:ext cx="793629" cy="345373"/>
-          </a:xfrm>
-          <a:prstGeom prst="rect">
-            <a:avLst/>
-          </a:prstGeom>
-        </p:spPr>
-        <p:style>
-          <a:lnRef idx="2">
-            <a:schemeClr val="accent1">
-              <a:shade val="50000"/>
-            </a:schemeClr>
-          </a:lnRef>
-          <a:fillRef idx="1">
-            <a:schemeClr val="accent1"/>
-          </a:fillRef>
-          <a:effectRef idx="0">
-            <a:schemeClr val="accent1"/>
-          </a:effectRef>
-          <a:fontRef idx="minor">
-            <a:schemeClr val="lt1"/>
-          </a:fontRef>
-        </p:style>
-        <p:txBody>
-          <a:bodyPr rtlCol="0" anchor="ctr"/>
-          <a:lstStyle/>
-          <a:p>
-            <a:pPr algn="ctr"/>
-            <a:r>
-              <a:rPr lang="ko-KR" altLang="en-US" sz="1200" dirty="0" smtClean="0"/>
-              <a:t>고용됨</a:t>
-            </a:r>
-            <a:endParaRPr lang="ko-KR" altLang="en-US" sz="1200" dirty="0"/>
-          </a:p>
-        </p:txBody>
-      </p:sp>
-      <p:sp>
-        <p:nvSpPr>
-          <p:cNvPr id="28" name="직사각형 27"/>
-          <p:cNvSpPr/>
-          <p:nvPr/>
-        </p:nvSpPr>
-        <p:spPr>
-          <a:xfrm>
-            <a:off x="4390845" y="4942917"/>
-            <a:ext cx="793629" cy="345373"/>
-          </a:xfrm>
-          <a:prstGeom prst="rect">
-            <a:avLst/>
-          </a:prstGeom>
-        </p:spPr>
-        <p:style>
-          <a:lnRef idx="2">
-            <a:schemeClr val="accent1">
-              <a:shade val="50000"/>
-            </a:schemeClr>
-          </a:lnRef>
-          <a:fillRef idx="1">
-            <a:schemeClr val="accent1"/>
-          </a:fillRef>
-          <a:effectRef idx="0">
-            <a:schemeClr val="accent1"/>
-          </a:effectRef>
-          <a:fontRef idx="minor">
-            <a:schemeClr val="lt1"/>
-          </a:fontRef>
-        </p:style>
-        <p:txBody>
-          <a:bodyPr rtlCol="0" anchor="ctr"/>
-          <a:lstStyle/>
-          <a:p>
-            <a:pPr algn="ctr"/>
-            <a:r>
-              <a:rPr lang="ko-KR" altLang="en-US" sz="1200" dirty="0" smtClean="0"/>
-              <a:t>고용됨</a:t>
-            </a:r>
-            <a:endParaRPr lang="ko-KR" altLang="en-US" sz="1200" dirty="0"/>
-          </a:p>
-        </p:txBody>
-      </p:sp>
-      <p:sp>
-        <p:nvSpPr>
-          <p:cNvPr id="31" name="직사각형 30"/>
-          <p:cNvSpPr/>
-          <p:nvPr/>
-        </p:nvSpPr>
-        <p:spPr>
-          <a:xfrm>
-            <a:off x="4390845" y="5408783"/>
-            <a:ext cx="793629" cy="345373"/>
-          </a:xfrm>
-          <a:prstGeom prst="rect">
-            <a:avLst/>
-          </a:prstGeom>
-        </p:spPr>
-        <p:style>
-          <a:lnRef idx="2">
-            <a:schemeClr val="accent1">
-              <a:shade val="50000"/>
-            </a:schemeClr>
-          </a:lnRef>
-          <a:fillRef idx="1">
-            <a:schemeClr val="accent1"/>
-          </a:fillRef>
-          <a:effectRef idx="0">
-            <a:schemeClr val="accent1"/>
-          </a:effectRef>
-          <a:fontRef idx="minor">
-            <a:schemeClr val="lt1"/>
-          </a:fontRef>
-        </p:style>
-        <p:txBody>
-          <a:bodyPr rtlCol="0" anchor="ctr"/>
-          <a:lstStyle/>
-          <a:p>
-            <a:pPr algn="ctr"/>
-            <a:r>
-              <a:rPr lang="ko-KR" altLang="en-US" sz="1200" dirty="0" smtClean="0"/>
-              <a:t>고용됨</a:t>
-            </a:r>
-            <a:endParaRPr lang="ko-KR" altLang="en-US" sz="1200" dirty="0"/>
-          </a:p>
-        </p:txBody>
-      </p:sp>
-      <p:sp>
-        <p:nvSpPr>
-          <p:cNvPr id="32" name="직사각형 31"/>
-          <p:cNvSpPr/>
-          <p:nvPr/>
-        </p:nvSpPr>
-        <p:spPr>
-          <a:xfrm>
-            <a:off x="4390845" y="5844586"/>
-            <a:ext cx="793629" cy="345373"/>
-          </a:xfrm>
-          <a:prstGeom prst="rect">
-            <a:avLst/>
-          </a:prstGeom>
-          <a:solidFill>
-            <a:srgbClr val="FF0000"/>
-          </a:solidFill>
-        </p:spPr>
-        <p:style>
-          <a:lnRef idx="2">
-            <a:schemeClr val="accent1">
-              <a:shade val="50000"/>
-            </a:schemeClr>
-          </a:lnRef>
-          <a:fillRef idx="1">
-            <a:schemeClr val="accent1"/>
-          </a:fillRef>
-          <a:effectRef idx="0">
-            <a:schemeClr val="accent1"/>
-          </a:effectRef>
-          <a:fontRef idx="minor">
-            <a:schemeClr val="lt1"/>
-          </a:fontRef>
-        </p:style>
-        <p:txBody>
-          <a:bodyPr rtlCol="0" anchor="ctr"/>
-          <a:lstStyle/>
-          <a:p>
-            <a:pPr algn="ctr"/>
-            <a:r>
-              <a:rPr lang="ko-KR" altLang="en-US" sz="1200" dirty="0" smtClean="0"/>
-              <a:t>고용하기</a:t>
-            </a:r>
-            <a:endParaRPr lang="ko-KR" altLang="en-US" sz="1200" dirty="0"/>
-          </a:p>
-        </p:txBody>
-      </p:sp>
-      <p:sp>
-        <p:nvSpPr>
-          <p:cNvPr id="33" name="직사각형 32"/>
-          <p:cNvSpPr/>
-          <p:nvPr/>
-        </p:nvSpPr>
-        <p:spPr>
-          <a:xfrm>
-            <a:off x="5223294" y="4511696"/>
-            <a:ext cx="793629" cy="345373"/>
-          </a:xfrm>
-          <a:prstGeom prst="rect">
-            <a:avLst/>
-          </a:prstGeom>
-        </p:spPr>
-        <p:style>
-          <a:lnRef idx="2">
-            <a:schemeClr val="accent1">
-              <a:shade val="50000"/>
-            </a:schemeClr>
-          </a:lnRef>
-          <a:fillRef idx="1">
-            <a:schemeClr val="accent1"/>
-          </a:fillRef>
-          <a:effectRef idx="0">
-            <a:schemeClr val="accent1"/>
-          </a:effectRef>
-          <a:fontRef idx="minor">
-            <a:schemeClr val="lt1"/>
-          </a:fontRef>
-        </p:style>
-        <p:txBody>
-          <a:bodyPr rtlCol="0" anchor="ctr"/>
-          <a:lstStyle/>
-          <a:p>
-            <a:pPr algn="ctr"/>
-            <a:r>
-              <a:rPr lang="ko-KR" altLang="en-US" sz="1200" smtClean="0"/>
-              <a:t>붙음</a:t>
-            </a:r>
-            <a:endParaRPr lang="ko-KR" altLang="en-US" sz="1200" dirty="0"/>
-          </a:p>
-        </p:txBody>
-      </p:sp>
-      <p:sp>
-        <p:nvSpPr>
-          <p:cNvPr id="34" name="직사각형 33"/>
-          <p:cNvSpPr/>
-          <p:nvPr/>
-        </p:nvSpPr>
-        <p:spPr>
-          <a:xfrm>
-            <a:off x="5223294" y="4964847"/>
-            <a:ext cx="793629" cy="345373"/>
-          </a:xfrm>
-          <a:prstGeom prst="rect">
-            <a:avLst/>
-          </a:prstGeom>
-        </p:spPr>
-        <p:style>
-          <a:lnRef idx="2">
-            <a:schemeClr val="accent1">
-              <a:shade val="50000"/>
-            </a:schemeClr>
-          </a:lnRef>
-          <a:fillRef idx="1">
-            <a:schemeClr val="accent1"/>
-          </a:fillRef>
-          <a:effectRef idx="0">
-            <a:schemeClr val="accent1"/>
-          </a:effectRef>
-          <a:fontRef idx="minor">
-            <a:schemeClr val="lt1"/>
-          </a:fontRef>
-        </p:style>
-        <p:txBody>
-          <a:bodyPr rtlCol="0" anchor="ctr"/>
-          <a:lstStyle/>
-          <a:p>
-            <a:pPr algn="ctr"/>
-            <a:r>
-              <a:rPr lang="ko-KR" altLang="en-US" sz="1200" smtClean="0"/>
-              <a:t>붙음</a:t>
-            </a:r>
-            <a:endParaRPr lang="ko-KR" altLang="en-US" sz="1200" dirty="0"/>
-          </a:p>
-        </p:txBody>
-      </p:sp>
-      <p:sp>
-        <p:nvSpPr>
-          <p:cNvPr id="35" name="직사각형 34"/>
-          <p:cNvSpPr/>
-          <p:nvPr/>
-        </p:nvSpPr>
-        <p:spPr>
-          <a:xfrm>
-            <a:off x="5223294" y="5417998"/>
-            <a:ext cx="793629" cy="345373"/>
-          </a:xfrm>
-          <a:prstGeom prst="rect">
-            <a:avLst/>
-          </a:prstGeom>
-          <a:solidFill>
-            <a:srgbClr val="00B050"/>
-          </a:solidFill>
-        </p:spPr>
-        <p:style>
-          <a:lnRef idx="2">
-            <a:schemeClr val="accent1">
-              <a:shade val="50000"/>
-            </a:schemeClr>
-          </a:lnRef>
-          <a:fillRef idx="1">
-            <a:schemeClr val="accent1"/>
-          </a:fillRef>
-          <a:effectRef idx="0">
-            <a:schemeClr val="accent1"/>
-          </a:effectRef>
-          <a:fontRef idx="minor">
-            <a:schemeClr val="lt1"/>
-          </a:fontRef>
-        </p:style>
-        <p:txBody>
-          <a:bodyPr rtlCol="0" anchor="ctr"/>
-          <a:lstStyle/>
-          <a:p>
-            <a:pPr algn="ctr"/>
-            <a:r>
-              <a:rPr lang="ko-KR" altLang="en-US" sz="1200" dirty="0" smtClean="0"/>
-              <a:t>붙이기</a:t>
-            </a:r>
-            <a:endParaRPr lang="ko-KR" altLang="en-US" sz="1200" dirty="0"/>
-          </a:p>
-        </p:txBody>
-      </p:sp>
-      <p:sp>
-        <p:nvSpPr>
-          <p:cNvPr id="37" name="직사각형 36"/>
-          <p:cNvSpPr/>
-          <p:nvPr/>
-        </p:nvSpPr>
-        <p:spPr>
-          <a:xfrm>
-            <a:off x="5223294" y="5844764"/>
-            <a:ext cx="793629" cy="345373"/>
-          </a:xfrm>
-          <a:prstGeom prst="rect">
-            <a:avLst/>
-          </a:prstGeom>
-          <a:solidFill>
-            <a:srgbClr val="00B050"/>
-          </a:solidFill>
-        </p:spPr>
-        <p:style>
-          <a:lnRef idx="2">
-            <a:schemeClr val="accent1">
-              <a:shade val="50000"/>
-            </a:schemeClr>
-          </a:lnRef>
-          <a:fillRef idx="1">
-            <a:schemeClr val="accent1"/>
-          </a:fillRef>
-          <a:effectRef idx="0">
-            <a:schemeClr val="accent1"/>
-          </a:effectRef>
-          <a:fontRef idx="minor">
-            <a:schemeClr val="lt1"/>
-          </a:fontRef>
-        </p:style>
-        <p:txBody>
-          <a:bodyPr rtlCol="0" anchor="ctr"/>
-          <a:lstStyle/>
-          <a:p>
-            <a:pPr algn="ctr"/>
-            <a:r>
-              <a:rPr lang="ko-KR" altLang="en-US" sz="1200" dirty="0" smtClean="0"/>
-              <a:t>붙이기</a:t>
-            </a:r>
-            <a:endParaRPr lang="ko-KR" altLang="en-US" sz="1200" dirty="0"/>
-          </a:p>
-        </p:txBody>
-      </p:sp>
-      <p:sp>
-        <p:nvSpPr>
-          <p:cNvPr id="12" name="사다리꼴 11"/>
-          <p:cNvSpPr/>
-          <p:nvPr/>
-        </p:nvSpPr>
-        <p:spPr>
-          <a:xfrm>
-            <a:off x="3084422" y="3597234"/>
-            <a:ext cx="909608" cy="241640"/>
-          </a:xfrm>
-          <a:prstGeom prst="trapezoid">
-            <a:avLst/>
-          </a:prstGeom>
-          <a:solidFill>
-            <a:schemeClr val="accent4">
-              <a:lumMod val="75000"/>
-            </a:schemeClr>
-          </a:solidFill>
-        </p:spPr>
-        <p:style>
-          <a:lnRef idx="2">
-            <a:schemeClr val="accent1">
-              <a:shade val="50000"/>
-            </a:schemeClr>
-          </a:lnRef>
-          <a:fillRef idx="1">
-            <a:schemeClr val="accent1"/>
-          </a:fillRef>
-          <a:effectRef idx="0">
-            <a:schemeClr val="accent1"/>
-          </a:effectRef>
-          <a:fontRef idx="minor">
-            <a:schemeClr val="lt1"/>
-          </a:fontRef>
-        </p:style>
-        <p:txBody>
-          <a:bodyPr rtlCol="0" anchor="ctr"/>
-          <a:lstStyle/>
-          <a:p>
-            <a:pPr algn="ctr"/>
-            <a:r>
-              <a:rPr lang="ko-KR" altLang="en-US" sz="1400" dirty="0" smtClean="0"/>
-              <a:t>사기꾼</a:t>
-            </a:r>
-            <a:endParaRPr lang="ko-KR" altLang="en-US" sz="1400" dirty="0"/>
-          </a:p>
-        </p:txBody>
-      </p:sp>
     </p:spTree>
     <p:extLst>
       <p:ext uri="{BB962C8B-B14F-4D97-AF65-F5344CB8AC3E}">
@@ -7291,6 +6905,13 @@
   <p:clrMapOvr>
     <a:masterClrMapping/>
   </p:clrMapOvr>
+  <p:timing>
+    <p:tnLst>
+      <p:par>
+        <p:cTn id="1" dur="indefinite" restart="never" nodeType="tmRoot"/>
+      </p:par>
+    </p:tnLst>
+  </p:timing>
 </p:sld>
 </file>
 
